--- a/Non-Technical/Project Management/Introductory Presentation IDP.pptx
+++ b/Non-Technical/Project Management/Introductory Presentation IDP.pptx
@@ -10,8 +10,9 @@
     <p:sldId id="258" r:id="rId4"/>
     <p:sldId id="259" r:id="rId5"/>
     <p:sldId id="260" r:id="rId6"/>
-    <p:sldId id="262" r:id="rId7"/>
-    <p:sldId id="263" r:id="rId8"/>
+    <p:sldId id="264" r:id="rId7"/>
+    <p:sldId id="262" r:id="rId8"/>
+    <p:sldId id="263" r:id="rId9"/>
   </p:sldIdLst>
   <p:sldSz cx="12192000" cy="6858000"/>
   <p:notesSz cx="6858000" cy="9144000"/>
@@ -110,6 +111,11 @@
       </a:defRPr>
     </a:lvl9pPr>
   </p:defaultTextStyle>
+  <p:extLst>
+    <p:ext uri="{EFAFB233-063F-42B5-8137-9DF3F51BA10A}">
+      <p15:sldGuideLst xmlns:p15="http://schemas.microsoft.com/office/powerpoint/2012/main"/>
+    </p:ext>
+  </p:extLst>
 </p:presentation>
 </file>
 
@@ -839,7 +845,7 @@
           <a:p>
             <a:fld id="{7CE1756A-1AEB-4170-8C95-87C764753E8C}" type="datetimeFigureOut">
               <a:rPr lang="en-GB" smtClean="0"/>
-              <a:t>20/01/2023</a:t>
+              <a:t>22/01/2023</a:t>
             </a:fld>
             <a:endParaRPr lang="en-GB"/>
           </a:p>
@@ -1169,7 +1175,7 @@
           <a:p>
             <a:fld id="{7CE1756A-1AEB-4170-8C95-87C764753E8C}" type="datetimeFigureOut">
               <a:rPr lang="en-GB" smtClean="0"/>
-              <a:t>20/01/2023</a:t>
+              <a:t>22/01/2023</a:t>
             </a:fld>
             <a:endParaRPr lang="en-GB"/>
           </a:p>
@@ -1349,7 +1355,7 @@
           <a:p>
             <a:fld id="{7CE1756A-1AEB-4170-8C95-87C764753E8C}" type="datetimeFigureOut">
               <a:rPr lang="en-GB" smtClean="0"/>
-              <a:t>20/01/2023</a:t>
+              <a:t>22/01/2023</a:t>
             </a:fld>
             <a:endParaRPr lang="en-GB"/>
           </a:p>
@@ -1519,7 +1525,7 @@
           <a:p>
             <a:fld id="{7CE1756A-1AEB-4170-8C95-87C764753E8C}" type="datetimeFigureOut">
               <a:rPr lang="en-GB" smtClean="0"/>
-              <a:t>20/01/2023</a:t>
+              <a:t>22/01/2023</a:t>
             </a:fld>
             <a:endParaRPr lang="en-GB"/>
           </a:p>
@@ -1796,7 +1802,7 @@
           <a:p>
             <a:fld id="{7CE1756A-1AEB-4170-8C95-87C764753E8C}" type="datetimeFigureOut">
               <a:rPr lang="en-GB" smtClean="0"/>
-              <a:t>20/01/2023</a:t>
+              <a:t>22/01/2023</a:t>
             </a:fld>
             <a:endParaRPr lang="en-GB"/>
           </a:p>
@@ -2190,7 +2196,7 @@
           <a:p>
             <a:fld id="{7CE1756A-1AEB-4170-8C95-87C764753E8C}" type="datetimeFigureOut">
               <a:rPr lang="en-GB" smtClean="0"/>
-              <a:t>20/01/2023</a:t>
+              <a:t>22/01/2023</a:t>
             </a:fld>
             <a:endParaRPr lang="en-GB"/>
           </a:p>
@@ -2667,7 +2673,7 @@
           <a:p>
             <a:fld id="{7CE1756A-1AEB-4170-8C95-87C764753E8C}" type="datetimeFigureOut">
               <a:rPr lang="en-GB" smtClean="0"/>
-              <a:t>20/01/2023</a:t>
+              <a:t>22/01/2023</a:t>
             </a:fld>
             <a:endParaRPr lang="en-GB"/>
           </a:p>
@@ -2785,7 +2791,7 @@
           <a:p>
             <a:fld id="{7CE1756A-1AEB-4170-8C95-87C764753E8C}" type="datetimeFigureOut">
               <a:rPr lang="en-GB" smtClean="0"/>
-              <a:t>20/01/2023</a:t>
+              <a:t>22/01/2023</a:t>
             </a:fld>
             <a:endParaRPr lang="en-GB"/>
           </a:p>
@@ -2880,7 +2886,7 @@
           <a:p>
             <a:fld id="{7CE1756A-1AEB-4170-8C95-87C764753E8C}" type="datetimeFigureOut">
               <a:rPr lang="en-GB" smtClean="0"/>
-              <a:t>20/01/2023</a:t>
+              <a:t>22/01/2023</a:t>
             </a:fld>
             <a:endParaRPr lang="en-GB"/>
           </a:p>
@@ -3226,7 +3232,7 @@
           <a:p>
             <a:fld id="{7CE1756A-1AEB-4170-8C95-87C764753E8C}" type="datetimeFigureOut">
               <a:rPr lang="en-GB" smtClean="0"/>
-              <a:t>20/01/2023</a:t>
+              <a:t>22/01/2023</a:t>
             </a:fld>
             <a:endParaRPr lang="en-GB"/>
           </a:p>
@@ -3614,7 +3620,7 @@
           <a:p>
             <a:fld id="{7CE1756A-1AEB-4170-8C95-87C764753E8C}" type="datetimeFigureOut">
               <a:rPr lang="en-GB" smtClean="0"/>
-              <a:t>20/01/2023</a:t>
+              <a:t>22/01/2023</a:t>
             </a:fld>
             <a:endParaRPr lang="en-GB"/>
           </a:p>
@@ -3892,7 +3898,7 @@
           <a:p>
             <a:fld id="{7CE1756A-1AEB-4170-8C95-87C764753E8C}" type="datetimeFigureOut">
               <a:rPr lang="en-GB" smtClean="0"/>
-              <a:t>20/01/2023</a:t>
+              <a:t>22/01/2023</a:t>
             </a:fld>
             <a:endParaRPr lang="en-GB"/>
           </a:p>
@@ -4936,7 +4942,7 @@
         </p:nvSpPr>
         <p:spPr>
           <a:xfrm>
-            <a:off x="643467" y="685800"/>
+            <a:off x="643467" y="102476"/>
             <a:ext cx="10905066" cy="1485900"/>
           </a:xfrm>
           <a:noFill/>
@@ -4949,709 +4955,117 @@
           <a:p>
             <a:pPr algn="ctr"/>
             <a:r>
-              <a:rPr lang="en-US"/>
-              <a:t>Timetable of Roles</a:t>
-            </a:r>
-            <a:endParaRPr lang="en-GB"/>
-          </a:p>
-        </p:txBody>
-      </p:sp>
-      <p:graphicFrame>
-        <p:nvGraphicFramePr>
-          <p:cNvPr id="4" name="Table 4">
+              <a:rPr lang="en-US" dirty="0"/>
+              <a:t>Team </a:t>
+            </a:r>
+            <a:r>
+              <a:rPr lang="en-US" dirty="0" err="1"/>
+              <a:t>Organisation</a:t>
+            </a:r>
+            <a:endParaRPr lang="en-GB" dirty="0"/>
+          </a:p>
+        </p:txBody>
+      </p:sp>
+      <p:pic>
+        <p:nvPicPr>
+          <p:cNvPr id="5" name="Picture 4">
             <a:extLst>
               <a:ext uri="{FF2B5EF4-FFF2-40B4-BE49-F238E27FC236}">
-                <a16:creationId xmlns:a16="http://schemas.microsoft.com/office/drawing/2014/main" id="{56511455-DB06-12B9-E712-FDDCDDB7F0EE}"/>
+                <a16:creationId xmlns:a16="http://schemas.microsoft.com/office/drawing/2014/main" id="{0FFF67B5-ECDA-22C2-EFEC-EF237FEE65B3}"/>
               </a:ext>
             </a:extLst>
           </p:cNvPr>
-          <p:cNvGraphicFramePr>
-            <a:graphicFrameLocks noGrp="1"/>
-          </p:cNvGraphicFramePr>
+          <p:cNvPicPr>
+            <a:picLocks noChangeAspect="1"/>
+          </p:cNvPicPr>
+          <p:nvPr/>
+        </p:nvPicPr>
+        <p:blipFill>
+          <a:blip r:embed="rId2"/>
+          <a:stretch>
+            <a:fillRect/>
+          </a:stretch>
+        </p:blipFill>
+        <p:spPr>
+          <a:xfrm>
+            <a:off x="4352980" y="1108185"/>
+            <a:ext cx="7684922" cy="5312979"/>
+          </a:xfrm>
+          <a:prstGeom prst="rect">
+            <a:avLst/>
+          </a:prstGeom>
+          <a:ln>
+            <a:solidFill>
+              <a:schemeClr val="tx1"/>
+            </a:solidFill>
+          </a:ln>
+        </p:spPr>
+      </p:pic>
+      <p:sp>
+        <p:nvSpPr>
+          <p:cNvPr id="8" name="Content Placeholder 7">
+            <a:extLst>
+              <a:ext uri="{FF2B5EF4-FFF2-40B4-BE49-F238E27FC236}">
+                <a16:creationId xmlns:a16="http://schemas.microsoft.com/office/drawing/2014/main" id="{E84B116C-E6DC-FFCC-7F1C-BE33AE82EA48}"/>
+              </a:ext>
+            </a:extLst>
+          </p:cNvPr>
+          <p:cNvSpPr>
+            <a:spLocks noGrp="1"/>
+          </p:cNvSpPr>
           <p:nvPr>
             <p:ph idx="1"/>
-            <p:extLst>
-              <p:ext uri="{D42A27DB-BD31-4B8C-83A1-F6EECF244321}">
-                <p14:modId xmlns:p14="http://schemas.microsoft.com/office/powerpoint/2010/main" val="1095154132"/>
-              </p:ext>
-            </p:extLst>
-          </p:nvPr>
-        </p:nvGraphicFramePr>
-        <p:xfrm>
-          <a:off x="1122972" y="2416340"/>
-          <a:ext cx="9946058" cy="3320723"/>
-        </p:xfrm>
-        <a:graphic>
-          <a:graphicData uri="http://schemas.openxmlformats.org/drawingml/2006/table">
-            <a:tbl>
-              <a:tblPr firstRow="1" bandRow="1">
-                <a:tableStyleId>{5C22544A-7EE6-4342-B048-85BDC9FD1C3A}</a:tableStyleId>
-              </a:tblPr>
-              <a:tblGrid>
-                <a:gridCol w="2414466">
-                  <a:extLst>
-                    <a:ext uri="{9D8B030D-6E8A-4147-A177-3AD203B41FA5}">
-                      <a16:colId xmlns:a16="http://schemas.microsoft.com/office/drawing/2014/main" val="3932220208"/>
-                    </a:ext>
-                  </a:extLst>
-                </a:gridCol>
-                <a:gridCol w="1882898">
-                  <a:extLst>
-                    <a:ext uri="{9D8B030D-6E8A-4147-A177-3AD203B41FA5}">
-                      <a16:colId xmlns:a16="http://schemas.microsoft.com/office/drawing/2014/main" val="2493271512"/>
-                    </a:ext>
-                  </a:extLst>
-                </a:gridCol>
-                <a:gridCol w="1882898">
-                  <a:extLst>
-                    <a:ext uri="{9D8B030D-6E8A-4147-A177-3AD203B41FA5}">
-                      <a16:colId xmlns:a16="http://schemas.microsoft.com/office/drawing/2014/main" val="1426224910"/>
-                    </a:ext>
-                  </a:extLst>
-                </a:gridCol>
-                <a:gridCol w="1882898">
-                  <a:extLst>
-                    <a:ext uri="{9D8B030D-6E8A-4147-A177-3AD203B41FA5}">
-                      <a16:colId xmlns:a16="http://schemas.microsoft.com/office/drawing/2014/main" val="2747334474"/>
-                    </a:ext>
-                  </a:extLst>
-                </a:gridCol>
-                <a:gridCol w="1882898">
-                  <a:extLst>
-                    <a:ext uri="{9D8B030D-6E8A-4147-A177-3AD203B41FA5}">
-                      <a16:colId xmlns:a16="http://schemas.microsoft.com/office/drawing/2014/main" val="2190423309"/>
-                    </a:ext>
-                  </a:extLst>
-                </a:gridCol>
-              </a:tblGrid>
-              <a:tr h="397043">
-                <a:tc>
-                  <a:txBody>
-                    <a:bodyPr/>
-                    <a:lstStyle/>
-                    <a:p>
-                      <a:r>
-                        <a:rPr lang="en-US" sz="1800"/>
-                        <a:t>Members</a:t>
-                      </a:r>
-                      <a:endParaRPr lang="en-GB" sz="1800"/>
-                    </a:p>
-                  </a:txBody>
-                  <a:tcPr marL="90237" marR="90237" marT="45118" marB="45118"/>
-                </a:tc>
-                <a:tc>
-                  <a:txBody>
-                    <a:bodyPr/>
-                    <a:lstStyle/>
-                    <a:p>
-                      <a:pPr marL="0" marR="0" lvl="0" indent="0" algn="l" defTabSz="914400" rtl="0" eaLnBrk="1" fontAlgn="auto" latinLnBrk="0" hangingPunct="1">
-                        <a:lnSpc>
-                          <a:spcPct val="100000"/>
-                        </a:lnSpc>
-                        <a:spcBef>
-                          <a:spcPts val="0"/>
-                        </a:spcBef>
-                        <a:spcAft>
-                          <a:spcPts val="0"/>
-                        </a:spcAft>
-                        <a:buClrTx/>
-                        <a:buSzTx/>
-                        <a:buFontTx/>
-                        <a:buNone/>
-                        <a:tabLst/>
-                        <a:defRPr/>
-                      </a:pPr>
-                      <a:r>
-                        <a:rPr lang="en-US" sz="1800"/>
-                        <a:t>Week 1</a:t>
-                      </a:r>
-                      <a:endParaRPr lang="en-GB" sz="1800"/>
-                    </a:p>
-                  </a:txBody>
-                  <a:tcPr marL="90237" marR="90237" marT="45118" marB="45118"/>
-                </a:tc>
-                <a:tc>
-                  <a:txBody>
-                    <a:bodyPr/>
-                    <a:lstStyle/>
-                    <a:p>
-                      <a:pPr marL="0" marR="0" lvl="0" indent="0" algn="l" defTabSz="914400" rtl="0" eaLnBrk="1" fontAlgn="auto" latinLnBrk="0" hangingPunct="1">
-                        <a:lnSpc>
-                          <a:spcPct val="100000"/>
-                        </a:lnSpc>
-                        <a:spcBef>
-                          <a:spcPts val="0"/>
-                        </a:spcBef>
-                        <a:spcAft>
-                          <a:spcPts val="0"/>
-                        </a:spcAft>
-                        <a:buClrTx/>
-                        <a:buSzTx/>
-                        <a:buFontTx/>
-                        <a:buNone/>
-                        <a:tabLst/>
-                        <a:defRPr/>
-                      </a:pPr>
-                      <a:r>
-                        <a:rPr lang="en-US" sz="1800"/>
-                        <a:t>Week 2</a:t>
-                      </a:r>
-                      <a:endParaRPr lang="en-GB" sz="1800"/>
-                    </a:p>
-                  </a:txBody>
-                  <a:tcPr marL="90237" marR="90237" marT="45118" marB="45118"/>
-                </a:tc>
-                <a:tc>
-                  <a:txBody>
-                    <a:bodyPr/>
-                    <a:lstStyle/>
-                    <a:p>
-                      <a:pPr marL="0" marR="0" lvl="0" indent="0" algn="l" defTabSz="914400" rtl="0" eaLnBrk="1" fontAlgn="auto" latinLnBrk="0" hangingPunct="1">
-                        <a:lnSpc>
-                          <a:spcPct val="100000"/>
-                        </a:lnSpc>
-                        <a:spcBef>
-                          <a:spcPts val="0"/>
-                        </a:spcBef>
-                        <a:spcAft>
-                          <a:spcPts val="0"/>
-                        </a:spcAft>
-                        <a:buClrTx/>
-                        <a:buSzTx/>
-                        <a:buFontTx/>
-                        <a:buNone/>
-                        <a:tabLst/>
-                        <a:defRPr/>
-                      </a:pPr>
-                      <a:r>
-                        <a:rPr lang="en-US" sz="1800"/>
-                        <a:t>Week 3</a:t>
-                      </a:r>
-                      <a:endParaRPr lang="en-GB" sz="1800"/>
-                    </a:p>
-                  </a:txBody>
-                  <a:tcPr marL="90237" marR="90237" marT="45118" marB="45118"/>
-                </a:tc>
-                <a:tc>
-                  <a:txBody>
-                    <a:bodyPr/>
-                    <a:lstStyle/>
-                    <a:p>
-                      <a:pPr marL="0" marR="0" lvl="0" indent="0" algn="l" defTabSz="914400" rtl="0" eaLnBrk="1" fontAlgn="auto" latinLnBrk="0" hangingPunct="1">
-                        <a:lnSpc>
-                          <a:spcPct val="100000"/>
-                        </a:lnSpc>
-                        <a:spcBef>
-                          <a:spcPts val="0"/>
-                        </a:spcBef>
-                        <a:spcAft>
-                          <a:spcPts val="0"/>
-                        </a:spcAft>
-                        <a:buClrTx/>
-                        <a:buSzTx/>
-                        <a:buFontTx/>
-                        <a:buNone/>
-                        <a:tabLst/>
-                        <a:defRPr/>
-                      </a:pPr>
-                      <a:r>
-                        <a:rPr lang="en-US" sz="1800"/>
-                        <a:t>Week 4</a:t>
-                      </a:r>
-                      <a:endParaRPr lang="en-GB" sz="1800"/>
-                    </a:p>
-                  </a:txBody>
-                  <a:tcPr marL="90237" marR="90237" marT="45118" marB="45118"/>
-                </a:tc>
-                <a:extLst>
-                  <a:ext uri="{0D108BD9-81ED-4DB2-BD59-A6C34878D82A}">
-                    <a16:rowId xmlns:a16="http://schemas.microsoft.com/office/drawing/2014/main" val="4149939307"/>
-                  </a:ext>
-                </a:extLst>
-              </a:tr>
-              <a:tr h="397043">
-                <a:tc>
-                  <a:txBody>
-                    <a:bodyPr/>
-                    <a:lstStyle/>
-                    <a:p>
-                      <a:r>
-                        <a:rPr lang="en-US" sz="1800" b="1"/>
-                        <a:t>Daniel Rivlin</a:t>
-                      </a:r>
-                      <a:endParaRPr lang="en-GB" sz="1800" b="1"/>
-                    </a:p>
-                  </a:txBody>
-                  <a:tcPr marL="90237" marR="90237" marT="45118" marB="45118"/>
-                </a:tc>
-                <a:tc>
-                  <a:txBody>
-                    <a:bodyPr/>
-                    <a:lstStyle/>
-                    <a:p>
-                      <a:r>
-                        <a:rPr lang="en-US" sz="1800"/>
-                        <a:t>Mechanical</a:t>
-                      </a:r>
-                      <a:endParaRPr lang="en-GB" sz="1800"/>
-                    </a:p>
-                  </a:txBody>
-                  <a:tcPr marL="90237" marR="90237" marT="45118" marB="45118"/>
-                </a:tc>
-                <a:tc>
-                  <a:txBody>
-                    <a:bodyPr/>
-                    <a:lstStyle/>
-                    <a:p>
-                      <a:r>
-                        <a:rPr lang="en-US" sz="1800"/>
-                        <a:t>Mech/Soft</a:t>
-                      </a:r>
-                      <a:endParaRPr lang="en-GB" sz="1800"/>
-                    </a:p>
-                  </a:txBody>
-                  <a:tcPr marL="90237" marR="90237" marT="45118" marB="45118"/>
-                </a:tc>
-                <a:tc>
-                  <a:txBody>
-                    <a:bodyPr/>
-                    <a:lstStyle/>
-                    <a:p>
-                      <a:r>
-                        <a:rPr lang="en-US" sz="1800"/>
-                        <a:t>Software</a:t>
-                      </a:r>
-                      <a:endParaRPr lang="en-GB" sz="1800"/>
-                    </a:p>
-                  </a:txBody>
-                  <a:tcPr marL="90237" marR="90237" marT="45118" marB="45118"/>
-                </a:tc>
-                <a:tc>
-                  <a:txBody>
-                    <a:bodyPr/>
-                    <a:lstStyle/>
-                    <a:p>
-                      <a:r>
-                        <a:rPr lang="en-US" sz="1800"/>
-                        <a:t>Debugging</a:t>
-                      </a:r>
-                      <a:endParaRPr lang="en-GB" sz="1800"/>
-                    </a:p>
-                  </a:txBody>
-                  <a:tcPr marL="90237" marR="90237" marT="45118" marB="45118"/>
-                </a:tc>
-                <a:extLst>
-                  <a:ext uri="{0D108BD9-81ED-4DB2-BD59-A6C34878D82A}">
-                    <a16:rowId xmlns:a16="http://schemas.microsoft.com/office/drawing/2014/main" val="3513792976"/>
-                  </a:ext>
-                </a:extLst>
-              </a:tr>
-              <a:tr h="397043">
-                <a:tc>
-                  <a:txBody>
-                    <a:bodyPr/>
-                    <a:lstStyle/>
-                    <a:p>
-                      <a:r>
-                        <a:rPr lang="en-US" sz="1800" b="1"/>
-                        <a:t>Eduard Burlacu</a:t>
-                      </a:r>
-                      <a:endParaRPr lang="en-GB" sz="1800" b="1"/>
-                    </a:p>
-                  </a:txBody>
-                  <a:tcPr marL="90237" marR="90237" marT="45118" marB="45118"/>
-                </a:tc>
-                <a:tc>
-                  <a:txBody>
-                    <a:bodyPr/>
-                    <a:lstStyle/>
-                    <a:p>
-                      <a:r>
-                        <a:rPr lang="en-US" sz="1800"/>
-                        <a:t>Mechanical</a:t>
-                      </a:r>
-                      <a:endParaRPr lang="en-GB" sz="1800"/>
-                    </a:p>
-                  </a:txBody>
-                  <a:tcPr marL="90237" marR="90237" marT="45118" marB="45118"/>
-                </a:tc>
-                <a:tc>
-                  <a:txBody>
-                    <a:bodyPr/>
-                    <a:lstStyle/>
-                    <a:p>
-                      <a:r>
-                        <a:rPr lang="en-US" sz="1800"/>
-                        <a:t>Mech/Soft</a:t>
-                      </a:r>
-                      <a:endParaRPr lang="en-GB" sz="1800"/>
-                    </a:p>
-                  </a:txBody>
-                  <a:tcPr marL="90237" marR="90237" marT="45118" marB="45118"/>
-                </a:tc>
-                <a:tc>
-                  <a:txBody>
-                    <a:bodyPr/>
-                    <a:lstStyle/>
-                    <a:p>
-                      <a:r>
-                        <a:rPr lang="en-US" sz="1800"/>
-                        <a:t>Software</a:t>
-                      </a:r>
-                      <a:endParaRPr lang="en-GB" sz="1800"/>
-                    </a:p>
-                  </a:txBody>
-                  <a:tcPr marL="90237" marR="90237" marT="45118" marB="45118"/>
-                </a:tc>
-                <a:tc>
-                  <a:txBody>
-                    <a:bodyPr/>
-                    <a:lstStyle/>
-                    <a:p>
-                      <a:r>
-                        <a:rPr lang="en-US" sz="1800"/>
-                        <a:t>Debugging</a:t>
-                      </a:r>
-                      <a:endParaRPr lang="en-GB" sz="1800"/>
-                    </a:p>
-                  </a:txBody>
-                  <a:tcPr marL="90237" marR="90237" marT="45118" marB="45118"/>
-                </a:tc>
-                <a:extLst>
-                  <a:ext uri="{0D108BD9-81ED-4DB2-BD59-A6C34878D82A}">
-                    <a16:rowId xmlns:a16="http://schemas.microsoft.com/office/drawing/2014/main" val="924626409"/>
-                  </a:ext>
-                </a:extLst>
-              </a:tr>
-              <a:tr h="397043">
-                <a:tc>
-                  <a:txBody>
-                    <a:bodyPr/>
-                    <a:lstStyle/>
-                    <a:p>
-                      <a:r>
-                        <a:rPr lang="en-US" sz="1800" b="1"/>
-                        <a:t>Thomas Gaertner</a:t>
-                      </a:r>
-                      <a:endParaRPr lang="en-GB" sz="1800" b="1"/>
-                    </a:p>
-                  </a:txBody>
-                  <a:tcPr marL="90237" marR="90237" marT="45118" marB="45118"/>
-                </a:tc>
-                <a:tc>
-                  <a:txBody>
-                    <a:bodyPr/>
-                    <a:lstStyle/>
-                    <a:p>
-                      <a:r>
-                        <a:rPr lang="en-US" sz="1800"/>
-                        <a:t>Electronics</a:t>
-                      </a:r>
-                      <a:endParaRPr lang="en-GB" sz="1800"/>
-                    </a:p>
-                  </a:txBody>
-                  <a:tcPr marL="90237" marR="90237" marT="45118" marB="45118"/>
-                </a:tc>
-                <a:tc>
-                  <a:txBody>
-                    <a:bodyPr/>
-                    <a:lstStyle/>
-                    <a:p>
-                      <a:r>
-                        <a:rPr lang="en-US" sz="1800"/>
-                        <a:t>Electronics</a:t>
-                      </a:r>
-                      <a:endParaRPr lang="en-GB" sz="1800"/>
-                    </a:p>
-                  </a:txBody>
-                  <a:tcPr marL="90237" marR="90237" marT="45118" marB="45118"/>
-                </a:tc>
-                <a:tc>
-                  <a:txBody>
-                    <a:bodyPr/>
-                    <a:lstStyle/>
-                    <a:p>
-                      <a:r>
-                        <a:rPr lang="en-US" sz="1800"/>
-                        <a:t>Electronics</a:t>
-                      </a:r>
-                      <a:endParaRPr lang="en-GB" sz="1800"/>
-                    </a:p>
-                  </a:txBody>
-                  <a:tcPr marL="90237" marR="90237" marT="45118" marB="45118"/>
-                </a:tc>
-                <a:tc>
-                  <a:txBody>
-                    <a:bodyPr/>
-                    <a:lstStyle/>
-                    <a:p>
-                      <a:r>
-                        <a:rPr lang="en-US" sz="1800"/>
-                        <a:t>Troubleshooting</a:t>
-                      </a:r>
-                      <a:endParaRPr lang="en-GB" sz="1800"/>
-                    </a:p>
-                  </a:txBody>
-                  <a:tcPr marL="90237" marR="90237" marT="45118" marB="45118"/>
-                </a:tc>
-                <a:extLst>
-                  <a:ext uri="{0D108BD9-81ED-4DB2-BD59-A6C34878D82A}">
-                    <a16:rowId xmlns:a16="http://schemas.microsoft.com/office/drawing/2014/main" val="3967098599"/>
-                  </a:ext>
-                </a:extLst>
-              </a:tr>
-              <a:tr h="667754">
-                <a:tc>
-                  <a:txBody>
-                    <a:bodyPr/>
-                    <a:lstStyle/>
-                    <a:p>
-                      <a:r>
-                        <a:rPr lang="en-US" sz="1800" b="1"/>
-                        <a:t>Andrew Farquharson</a:t>
-                      </a:r>
-                      <a:endParaRPr lang="en-GB" sz="1800" b="1"/>
-                    </a:p>
-                  </a:txBody>
-                  <a:tcPr marL="90237" marR="90237" marT="45118" marB="45118"/>
-                </a:tc>
-                <a:tc>
-                  <a:txBody>
-                    <a:bodyPr/>
-                    <a:lstStyle/>
-                    <a:p>
-                      <a:r>
-                        <a:rPr lang="en-US" sz="1800"/>
-                        <a:t>Electronics</a:t>
-                      </a:r>
-                      <a:endParaRPr lang="en-GB" sz="1800"/>
-                    </a:p>
-                  </a:txBody>
-                  <a:tcPr marL="90237" marR="90237" marT="45118" marB="45118"/>
-                </a:tc>
-                <a:tc>
-                  <a:txBody>
-                    <a:bodyPr/>
-                    <a:lstStyle/>
-                    <a:p>
-                      <a:r>
-                        <a:rPr lang="en-US" sz="1800"/>
-                        <a:t>Electronics</a:t>
-                      </a:r>
-                      <a:endParaRPr lang="en-GB" sz="1800"/>
-                    </a:p>
-                  </a:txBody>
-                  <a:tcPr marL="90237" marR="90237" marT="45118" marB="45118"/>
-                </a:tc>
-                <a:tc>
-                  <a:txBody>
-                    <a:bodyPr/>
-                    <a:lstStyle/>
-                    <a:p>
-                      <a:r>
-                        <a:rPr lang="en-US" sz="1800"/>
-                        <a:t>Electronics</a:t>
-                      </a:r>
-                      <a:endParaRPr lang="en-GB" sz="1800"/>
-                    </a:p>
-                  </a:txBody>
-                  <a:tcPr marL="90237" marR="90237" marT="45118" marB="45118"/>
-                </a:tc>
-                <a:tc>
-                  <a:txBody>
-                    <a:bodyPr/>
-                    <a:lstStyle/>
-                    <a:p>
-                      <a:r>
-                        <a:rPr lang="en-US" sz="1800"/>
-                        <a:t>Troubleshooting</a:t>
-                      </a:r>
-                      <a:endParaRPr lang="en-GB" sz="1800"/>
-                    </a:p>
-                  </a:txBody>
-                  <a:tcPr marL="90237" marR="90237" marT="45118" marB="45118"/>
-                </a:tc>
-                <a:extLst>
-                  <a:ext uri="{0D108BD9-81ED-4DB2-BD59-A6C34878D82A}">
-                    <a16:rowId xmlns:a16="http://schemas.microsoft.com/office/drawing/2014/main" val="1192085513"/>
-                  </a:ext>
-                </a:extLst>
-              </a:tr>
-              <a:tr h="397043">
-                <a:tc>
-                  <a:txBody>
-                    <a:bodyPr/>
-                    <a:lstStyle/>
-                    <a:p>
-                      <a:r>
-                        <a:rPr lang="en-US" sz="1800" b="1"/>
-                        <a:t>Aadam Iftikhar</a:t>
-                      </a:r>
-                      <a:endParaRPr lang="en-GB" sz="1800" b="1"/>
-                    </a:p>
-                  </a:txBody>
-                  <a:tcPr marL="90237" marR="90237" marT="45118" marB="45118"/>
-                </a:tc>
-                <a:tc>
-                  <a:txBody>
-                    <a:bodyPr/>
-                    <a:lstStyle/>
-                    <a:p>
-                      <a:r>
-                        <a:rPr lang="en-US" sz="1800"/>
-                        <a:t>Mechanical</a:t>
-                      </a:r>
-                      <a:endParaRPr lang="en-GB" sz="1800"/>
-                    </a:p>
-                  </a:txBody>
-                  <a:tcPr marL="90237" marR="90237" marT="45118" marB="45118"/>
-                </a:tc>
-                <a:tc>
-                  <a:txBody>
-                    <a:bodyPr/>
-                    <a:lstStyle/>
-                    <a:p>
-                      <a:r>
-                        <a:rPr lang="en-US" sz="1800"/>
-                        <a:t>Mechanical</a:t>
-                      </a:r>
-                      <a:endParaRPr lang="en-GB" sz="1800"/>
-                    </a:p>
-                  </a:txBody>
-                  <a:tcPr marL="90237" marR="90237" marT="45118" marB="45118"/>
-                </a:tc>
-                <a:tc>
-                  <a:txBody>
-                    <a:bodyPr/>
-                    <a:lstStyle/>
-                    <a:p>
-                      <a:r>
-                        <a:rPr lang="en-US" sz="1800"/>
-                        <a:t>Elec/Mech</a:t>
-                      </a:r>
-                      <a:endParaRPr lang="en-GB" sz="1800"/>
-                    </a:p>
-                  </a:txBody>
-                  <a:tcPr marL="90237" marR="90237" marT="45118" marB="45118"/>
-                </a:tc>
-                <a:tc>
-                  <a:txBody>
-                    <a:bodyPr/>
-                    <a:lstStyle/>
-                    <a:p>
-                      <a:r>
-                        <a:rPr lang="en-US" sz="1800"/>
-                        <a:t>Troubleshooting</a:t>
-                      </a:r>
-                      <a:endParaRPr lang="en-GB" sz="1800"/>
-                    </a:p>
-                  </a:txBody>
-                  <a:tcPr marL="90237" marR="90237" marT="45118" marB="45118"/>
-                </a:tc>
-                <a:extLst>
-                  <a:ext uri="{0D108BD9-81ED-4DB2-BD59-A6C34878D82A}">
-                    <a16:rowId xmlns:a16="http://schemas.microsoft.com/office/drawing/2014/main" val="81512916"/>
-                  </a:ext>
-                </a:extLst>
-              </a:tr>
-              <a:tr h="667754">
-                <a:tc>
-                  <a:txBody>
-                    <a:bodyPr/>
-                    <a:lstStyle/>
-                    <a:p>
-                      <a:r>
-                        <a:rPr lang="en-US" sz="1800" b="1"/>
-                        <a:t>Gabriel Bednarkiewicz</a:t>
-                      </a:r>
-                      <a:endParaRPr lang="en-GB" sz="1800" b="1"/>
-                    </a:p>
-                  </a:txBody>
-                  <a:tcPr marL="90237" marR="90237" marT="45118" marB="45118"/>
-                </a:tc>
-                <a:tc>
-                  <a:txBody>
-                    <a:bodyPr/>
-                    <a:lstStyle/>
-                    <a:p>
-                      <a:r>
-                        <a:rPr lang="en-US" sz="1800"/>
-                        <a:t>Mechanical</a:t>
-                      </a:r>
-                      <a:endParaRPr lang="en-GB" sz="1800"/>
-                    </a:p>
-                  </a:txBody>
-                  <a:tcPr marL="90237" marR="90237" marT="45118" marB="45118"/>
-                </a:tc>
-                <a:tc>
-                  <a:txBody>
-                    <a:bodyPr/>
-                    <a:lstStyle/>
-                    <a:p>
-                      <a:r>
-                        <a:rPr lang="en-US" sz="1800"/>
-                        <a:t>Mechanical</a:t>
-                      </a:r>
-                      <a:endParaRPr lang="en-GB" sz="1800"/>
-                    </a:p>
-                  </a:txBody>
-                  <a:tcPr marL="90237" marR="90237" marT="45118" marB="45118"/>
-                </a:tc>
-                <a:tc>
-                  <a:txBody>
-                    <a:bodyPr/>
-                    <a:lstStyle/>
-                    <a:p>
-                      <a:pPr marL="0" marR="0" lvl="0" indent="0" algn="l" defTabSz="914400" rtl="0" eaLnBrk="1" fontAlgn="auto" latinLnBrk="0" hangingPunct="1">
-                        <a:lnSpc>
-                          <a:spcPct val="100000"/>
-                        </a:lnSpc>
-                        <a:spcBef>
-                          <a:spcPts val="0"/>
-                        </a:spcBef>
-                        <a:spcAft>
-                          <a:spcPts val="0"/>
-                        </a:spcAft>
-                        <a:buClrTx/>
-                        <a:buSzTx/>
-                        <a:buFontTx/>
-                        <a:buNone/>
-                        <a:tabLst/>
-                        <a:defRPr/>
-                      </a:pPr>
-                      <a:r>
-                        <a:rPr lang="en-US" sz="1800"/>
-                        <a:t>Elec/Mech</a:t>
-                      </a:r>
-                      <a:endParaRPr lang="en-GB" sz="1800"/>
-                    </a:p>
-                  </a:txBody>
-                  <a:tcPr marL="90237" marR="90237" marT="45118" marB="45118"/>
-                </a:tc>
-                <a:tc>
-                  <a:txBody>
-                    <a:bodyPr/>
-                    <a:lstStyle/>
-                    <a:p>
-                      <a:r>
-                        <a:rPr lang="en-US" sz="1800"/>
-                        <a:t>Troubleshooting</a:t>
-                      </a:r>
-                      <a:endParaRPr lang="en-GB" sz="1800"/>
-                    </a:p>
-                  </a:txBody>
-                  <a:tcPr marL="90237" marR="90237" marT="45118" marB="45118"/>
-                </a:tc>
-                <a:extLst>
-                  <a:ext uri="{0D108BD9-81ED-4DB2-BD59-A6C34878D82A}">
-                    <a16:rowId xmlns:a16="http://schemas.microsoft.com/office/drawing/2014/main" val="3845389645"/>
-                  </a:ext>
-                </a:extLst>
-              </a:tr>
-            </a:tbl>
-          </a:graphicData>
-        </a:graphic>
-      </p:graphicFrame>
+          </p:nvPr>
+        </p:nvSpPr>
+        <p:spPr>
+          <a:xfrm>
+            <a:off x="121897" y="1588376"/>
+            <a:ext cx="4076985" cy="4653455"/>
+          </a:xfrm>
+        </p:spPr>
+        <p:txBody>
+          <a:bodyPr/>
+          <a:lstStyle/>
+          <a:p>
+            <a:r>
+              <a:rPr lang="en-GB" dirty="0"/>
+              <a:t>Created a Gantt Chart including deadlines, work distribution, and projected timeline.</a:t>
+            </a:r>
+          </a:p>
+          <a:p>
+            <a:pPr marL="0" indent="0">
+              <a:buNone/>
+            </a:pPr>
+            <a:endParaRPr lang="en-GB" dirty="0"/>
+          </a:p>
+          <a:p>
+            <a:r>
+              <a:rPr lang="en-GB" dirty="0"/>
+              <a:t>Documents and file organisation using cloud storage, version control(GitHub)</a:t>
+            </a:r>
+          </a:p>
+          <a:p>
+            <a:pPr marL="0" indent="0">
+              <a:buNone/>
+            </a:pPr>
+            <a:endParaRPr lang="en-GB" dirty="0"/>
+          </a:p>
+          <a:p>
+            <a:r>
+              <a:rPr lang="en-GB" dirty="0"/>
+              <a:t>Issues and communication addressed on a common </a:t>
+            </a:r>
+            <a:r>
+              <a:rPr lang="en-GB" dirty="0" err="1"/>
+              <a:t>groupchat</a:t>
+            </a:r>
+            <a:r>
+              <a:rPr lang="en-GB" dirty="0"/>
+              <a:t> and Issues section of repository</a:t>
+            </a:r>
+          </a:p>
+        </p:txBody>
+      </p:sp>
     </p:spTree>
     <p:extLst>
       <p:ext uri="{BB962C8B-B14F-4D97-AF65-F5344CB8AC3E}">
@@ -5810,38 +5224,38 @@
           <a:lstStyle/>
           <a:p>
             <a:r>
-              <a:rPr lang="en-US" sz="1800"/>
+              <a:rPr lang="en-US" sz="1800" dirty="0"/>
               <a:t>Navigate from start point to end point and back</a:t>
             </a:r>
           </a:p>
           <a:p>
             <a:pPr lvl="1"/>
             <a:r>
-              <a:rPr lang="en-US" sz="1800"/>
+              <a:rPr lang="en-US" sz="1800" dirty="0"/>
               <a:t>Drivetrain and navigation system required</a:t>
             </a:r>
           </a:p>
           <a:p>
             <a:pPr lvl="1"/>
             <a:r>
-              <a:rPr lang="en-US" sz="1800"/>
+              <a:rPr lang="en-US" sz="1800" dirty="0"/>
               <a:t>Passing through tunnel and over ramp, adds additional constraints</a:t>
             </a:r>
           </a:p>
           <a:p>
             <a:r>
-              <a:rPr lang="en-US" sz="1800"/>
+              <a:rPr lang="en-US" sz="1800" dirty="0"/>
               <a:t>Collect a block from designated point</a:t>
             </a:r>
           </a:p>
           <a:p>
             <a:r>
-              <a:rPr lang="en-US" sz="1800"/>
+              <a:rPr lang="en-US" sz="1800" dirty="0"/>
               <a:t>Lift block 100mm onto truck</a:t>
             </a:r>
           </a:p>
           <a:p>
-            <a:endParaRPr lang="en-US" sz="1800"/>
+            <a:endParaRPr lang="en-US" sz="1800" dirty="0"/>
           </a:p>
         </p:txBody>
       </p:sp>
@@ -6079,14 +5493,14 @@
           <a:lstStyle/>
           <a:p>
             <a:r>
-              <a:rPr lang="en-US">
+              <a:rPr lang="en-US" dirty="0">
                 <a:solidFill>
                   <a:schemeClr val="bg2"/>
                 </a:solidFill>
               </a:rPr>
-              <a:t>SOLUTIONS</a:t>
-            </a:r>
-            <a:endParaRPr lang="en-GB">
+              <a:t>SOLUTION CONCEPTS</a:t>
+            </a:r>
+            <a:endParaRPr lang="en-GB" dirty="0">
               <a:solidFill>
                 <a:schemeClr val="bg2"/>
               </a:solidFill>
@@ -6167,8 +5581,8 @@
         </p:nvSpPr>
         <p:spPr>
           <a:xfrm>
-            <a:off x="1371600" y="2286000"/>
-            <a:ext cx="9601200" cy="3581400"/>
+            <a:off x="1371600" y="1638300"/>
+            <a:ext cx="9601200" cy="2245442"/>
           </a:xfrm>
         </p:spPr>
         <p:txBody>
@@ -6178,7 +5592,7 @@
           <a:lstStyle/>
           <a:p>
             <a:r>
-              <a:rPr lang="en-US">
+              <a:rPr lang="en-US" dirty="0">
                 <a:solidFill>
                   <a:schemeClr val="bg2"/>
                 </a:solidFill>
@@ -6188,7 +5602,7 @@
           </a:p>
           <a:p>
             <a:r>
-              <a:rPr lang="en-US">
+              <a:rPr lang="en-US" dirty="0">
                 <a:solidFill>
                   <a:schemeClr val="bg2"/>
                 </a:solidFill>
@@ -6198,7 +5612,7 @@
           </a:p>
           <a:p>
             <a:r>
-              <a:rPr lang="en-US">
+              <a:rPr lang="en-US" dirty="0">
                 <a:solidFill>
                   <a:schemeClr val="bg2"/>
                 </a:solidFill>
@@ -6208,7 +5622,7 @@
           </a:p>
           <a:p>
             <a:r>
-              <a:rPr lang="en-US">
+              <a:rPr lang="en-US" dirty="0">
                 <a:solidFill>
                   <a:schemeClr val="bg2"/>
                 </a:solidFill>
@@ -6232,6 +5646,286 @@
 </file>
 
 <file path=ppt/slides/slide6.xml><?xml version="1.0" encoding="utf-8"?>
+<p:sld xmlns:a="http://schemas.openxmlformats.org/drawingml/2006/main" xmlns:r="http://schemas.openxmlformats.org/officeDocument/2006/relationships" xmlns:p="http://schemas.openxmlformats.org/presentationml/2006/main">
+  <p:cSld>
+    <p:spTree>
+      <p:nvGrpSpPr>
+        <p:cNvPr id="1" name=""/>
+        <p:cNvGrpSpPr/>
+        <p:nvPr/>
+      </p:nvGrpSpPr>
+      <p:grpSpPr>
+        <a:xfrm>
+          <a:off x="0" y="0"/>
+          <a:ext cx="0" cy="0"/>
+          <a:chOff x="0" y="0"/>
+          <a:chExt cx="0" cy="0"/>
+        </a:xfrm>
+      </p:grpSpPr>
+      <p:sp>
+        <p:nvSpPr>
+          <p:cNvPr id="2" name="Title 1">
+            <a:extLst>
+              <a:ext uri="{FF2B5EF4-FFF2-40B4-BE49-F238E27FC236}">
+                <a16:creationId xmlns:a16="http://schemas.microsoft.com/office/drawing/2014/main" id="{6CCFDFEE-0904-C058-7C24-1D3ADADA37D0}"/>
+              </a:ext>
+            </a:extLst>
+          </p:cNvPr>
+          <p:cNvSpPr>
+            <a:spLocks noGrp="1"/>
+          </p:cNvSpPr>
+          <p:nvPr>
+            <p:ph type="title"/>
+          </p:nvPr>
+        </p:nvSpPr>
+        <p:spPr>
+          <a:xfrm>
+            <a:off x="929149" y="95864"/>
+            <a:ext cx="9601200" cy="1485900"/>
+          </a:xfrm>
+        </p:spPr>
+        <p:txBody>
+          <a:bodyPr/>
+          <a:lstStyle/>
+          <a:p>
+            <a:r>
+              <a:rPr lang="en-GB" dirty="0"/>
+              <a:t>Approaches</a:t>
+            </a:r>
+          </a:p>
+        </p:txBody>
+      </p:sp>
+      <p:pic>
+        <p:nvPicPr>
+          <p:cNvPr id="5" name="Content Placeholder 4" descr="Diagram&#10;&#10;Description automatically generated">
+            <a:extLst>
+              <a:ext uri="{FF2B5EF4-FFF2-40B4-BE49-F238E27FC236}">
+                <a16:creationId xmlns:a16="http://schemas.microsoft.com/office/drawing/2014/main" id="{F488712A-2300-6333-18F3-3E72C3536224}"/>
+              </a:ext>
+            </a:extLst>
+          </p:cNvPr>
+          <p:cNvPicPr>
+            <a:picLocks noGrp="1" noChangeAspect="1"/>
+          </p:cNvPicPr>
+          <p:nvPr>
+            <p:ph idx="1"/>
+          </p:nvPr>
+        </p:nvPicPr>
+        <p:blipFill>
+          <a:blip r:embed="rId2">
+            <a:extLst>
+              <a:ext uri="{28A0092B-C50C-407E-A947-70E740481C1C}">
+                <a14:useLocalDpi xmlns:a14="http://schemas.microsoft.com/office/drawing/2010/main" val="0"/>
+              </a:ext>
+            </a:extLst>
+          </a:blip>
+          <a:stretch>
+            <a:fillRect/>
+          </a:stretch>
+        </p:blipFill>
+        <p:spPr>
+          <a:xfrm>
+            <a:off x="8908634" y="979491"/>
+            <a:ext cx="2713703" cy="5461781"/>
+          </a:xfrm>
+        </p:spPr>
+      </p:pic>
+      <p:pic>
+        <p:nvPicPr>
+          <p:cNvPr id="11" name="Picture 10">
+            <a:extLst>
+              <a:ext uri="{FF2B5EF4-FFF2-40B4-BE49-F238E27FC236}">
+                <a16:creationId xmlns:a16="http://schemas.microsoft.com/office/drawing/2014/main" id="{D8EBBAE0-958F-58B5-DE4E-5EACA5882D40}"/>
+              </a:ext>
+            </a:extLst>
+          </p:cNvPr>
+          <p:cNvPicPr>
+            <a:picLocks noChangeAspect="1"/>
+          </p:cNvPicPr>
+          <p:nvPr/>
+        </p:nvPicPr>
+        <p:blipFill>
+          <a:blip r:embed="rId3"/>
+          <a:stretch>
+            <a:fillRect/>
+          </a:stretch>
+        </p:blipFill>
+        <p:spPr>
+          <a:xfrm>
+            <a:off x="2777614" y="3589800"/>
+            <a:ext cx="5039032" cy="3000204"/>
+          </a:xfrm>
+          <a:prstGeom prst="rect">
+            <a:avLst/>
+          </a:prstGeom>
+          <a:solidFill>
+            <a:srgbClr val="FFFFFF">
+              <a:shade val="85000"/>
+            </a:srgbClr>
+          </a:solidFill>
+          <a:ln w="88900" cap="sq">
+            <a:solidFill>
+              <a:srgbClr val="FFFFFF"/>
+            </a:solidFill>
+            <a:miter lim="800000"/>
+          </a:ln>
+          <a:effectLst>
+            <a:outerShdw blurRad="55000" dist="18000" dir="5400000" algn="tl" rotWithShape="0">
+              <a:srgbClr val="000000">
+                <a:alpha val="40000"/>
+              </a:srgbClr>
+            </a:outerShdw>
+          </a:effectLst>
+          <a:scene3d>
+            <a:camera prst="orthographicFront"/>
+            <a:lightRig rig="twoPt" dir="t">
+              <a:rot lat="0" lon="0" rev="7200000"/>
+            </a:lightRig>
+          </a:scene3d>
+          <a:sp3d>
+            <a:bevelT w="25400" h="19050"/>
+            <a:contourClr>
+              <a:srgbClr val="FFFFFF"/>
+            </a:contourClr>
+          </a:sp3d>
+        </p:spPr>
+      </p:pic>
+      <p:pic>
+        <p:nvPicPr>
+          <p:cNvPr id="13" name="Picture 12">
+            <a:extLst>
+              <a:ext uri="{FF2B5EF4-FFF2-40B4-BE49-F238E27FC236}">
+                <a16:creationId xmlns:a16="http://schemas.microsoft.com/office/drawing/2014/main" id="{40E3EA28-B508-8262-EC3F-85BF21C5AF4D}"/>
+              </a:ext>
+            </a:extLst>
+          </p:cNvPr>
+          <p:cNvPicPr>
+            <a:picLocks noChangeAspect="1"/>
+          </p:cNvPicPr>
+          <p:nvPr/>
+        </p:nvPicPr>
+        <p:blipFill>
+          <a:blip r:embed="rId4"/>
+          <a:stretch>
+            <a:fillRect/>
+          </a:stretch>
+        </p:blipFill>
+        <p:spPr>
+          <a:xfrm>
+            <a:off x="5085708" y="452121"/>
+            <a:ext cx="2730938" cy="2856271"/>
+          </a:xfrm>
+          <a:prstGeom prst="rect">
+            <a:avLst/>
+          </a:prstGeom>
+          <a:solidFill>
+            <a:srgbClr val="FFFFFF">
+              <a:shade val="85000"/>
+            </a:srgbClr>
+          </a:solidFill>
+          <a:ln w="88900" cap="sq">
+            <a:solidFill>
+              <a:srgbClr val="FFFFFF"/>
+            </a:solidFill>
+            <a:miter lim="800000"/>
+          </a:ln>
+          <a:effectLst>
+            <a:outerShdw blurRad="55000" dist="18000" dir="5400000" algn="tl" rotWithShape="0">
+              <a:srgbClr val="000000">
+                <a:alpha val="40000"/>
+              </a:srgbClr>
+            </a:outerShdw>
+          </a:effectLst>
+          <a:scene3d>
+            <a:camera prst="orthographicFront"/>
+            <a:lightRig rig="twoPt" dir="t">
+              <a:rot lat="0" lon="0" rev="7200000"/>
+            </a:lightRig>
+          </a:scene3d>
+          <a:sp3d>
+            <a:bevelT w="25400" h="19050"/>
+            <a:contourClr>
+              <a:srgbClr val="FFFFFF"/>
+            </a:contourClr>
+          </a:sp3d>
+        </p:spPr>
+      </p:pic>
+      <p:sp>
+        <p:nvSpPr>
+          <p:cNvPr id="14" name="TextBox 13">
+            <a:extLst>
+              <a:ext uri="{FF2B5EF4-FFF2-40B4-BE49-F238E27FC236}">
+                <a16:creationId xmlns:a16="http://schemas.microsoft.com/office/drawing/2014/main" id="{3E782878-3AA6-ED1C-57BB-A88D925D866C}"/>
+              </a:ext>
+            </a:extLst>
+          </p:cNvPr>
+          <p:cNvSpPr txBox="1"/>
+          <p:nvPr/>
+        </p:nvSpPr>
+        <p:spPr>
+          <a:xfrm>
+            <a:off x="1022555" y="1397675"/>
+            <a:ext cx="3519948" cy="2031325"/>
+          </a:xfrm>
+          <a:prstGeom prst="rect">
+            <a:avLst/>
+          </a:prstGeom>
+          <a:noFill/>
+        </p:spPr>
+        <p:txBody>
+          <a:bodyPr wrap="square" rtlCol="0">
+            <a:spAutoFit/>
+          </a:bodyPr>
+          <a:lstStyle/>
+          <a:p>
+            <a:r>
+              <a:rPr lang="en-GB" dirty="0"/>
+              <a:t>Provided prototypes for:</a:t>
+            </a:r>
+          </a:p>
+          <a:p>
+            <a:endParaRPr lang="en-GB" dirty="0"/>
+          </a:p>
+          <a:p>
+            <a:r>
+              <a:rPr lang="en-GB" dirty="0"/>
+              <a:t> - claw movement</a:t>
+            </a:r>
+          </a:p>
+          <a:p>
+            <a:endParaRPr lang="en-GB" dirty="0"/>
+          </a:p>
+          <a:p>
+            <a:r>
+              <a:rPr lang="en-GB" dirty="0"/>
+              <a:t> - lift mechanism</a:t>
+            </a:r>
+          </a:p>
+          <a:p>
+            <a:endParaRPr lang="en-GB" dirty="0"/>
+          </a:p>
+          <a:p>
+            <a:r>
+              <a:rPr lang="en-GB" dirty="0"/>
+              <a:t> - electronics and software logic</a:t>
+            </a:r>
+          </a:p>
+        </p:txBody>
+      </p:sp>
+    </p:spTree>
+    <p:extLst>
+      <p:ext uri="{BB962C8B-B14F-4D97-AF65-F5344CB8AC3E}">
+        <p14:creationId xmlns:p14="http://schemas.microsoft.com/office/powerpoint/2010/main" val="2704964828"/>
+      </p:ext>
+    </p:extLst>
+  </p:cSld>
+  <p:clrMapOvr>
+    <a:masterClrMapping/>
+  </p:clrMapOvr>
+</p:sld>
+</file>
+
+<file path=ppt/slides/slide7.xml><?xml version="1.0" encoding="utf-8"?>
 <p:sld xmlns:a="http://schemas.openxmlformats.org/drawingml/2006/main" xmlns:r="http://schemas.openxmlformats.org/officeDocument/2006/relationships" xmlns:p="http://schemas.openxmlformats.org/presentationml/2006/main">
   <p:cSld>
     <p:bg>
@@ -6547,7 +6241,7 @@
 </p:sld>
 </file>
 
-<file path=ppt/slides/slide7.xml><?xml version="1.0" encoding="utf-8"?>
+<file path=ppt/slides/slide8.xml><?xml version="1.0" encoding="utf-8"?>
 <p:sld xmlns:a="http://schemas.openxmlformats.org/drawingml/2006/main" xmlns:r="http://schemas.openxmlformats.org/officeDocument/2006/relationships" xmlns:p="http://schemas.openxmlformats.org/presentationml/2006/main">
   <p:cSld>
     <p:bg>
